--- a/dotnet-and-daemons.pptx
+++ b/dotnet-and-daemons.pptx
@@ -105,6 +105,11 @@
       </a:defRPr>
     </a:lvl9pPr>
   </p:defaultTextStyle>
+  <p:extLst>
+    <p:ext uri="{EFAFB233-063F-42B5-8137-9DF3F51BA10A}">
+      <p15:sldGuideLst xmlns:p15="http://schemas.microsoft.com/office/powerpoint/2012/main"/>
+    </p:ext>
+  </p:extLst>
 </p:presentation>
 </file>
 
@@ -255,7 +260,7 @@
           <a:p>
             <a:fld id="{76969C88-B244-455D-A017-012B25B1ACDD}" type="datetimeFigureOut">
               <a:rPr lang="en-US" smtClean="0"/>
-              <a:t>8/29/2021</a:t>
+              <a:t>8/31/2021</a:t>
             </a:fld>
             <a:endParaRPr lang="en-US"/>
           </a:p>
@@ -453,7 +458,7 @@
           <a:p>
             <a:fld id="{76969C88-B244-455D-A017-012B25B1ACDD}" type="datetimeFigureOut">
               <a:rPr lang="en-US" smtClean="0"/>
-              <a:t>8/29/2021</a:t>
+              <a:t>8/31/2021</a:t>
             </a:fld>
             <a:endParaRPr lang="en-US"/>
           </a:p>
@@ -661,7 +666,7 @@
           <a:p>
             <a:fld id="{76969C88-B244-455D-A017-012B25B1ACDD}" type="datetimeFigureOut">
               <a:rPr lang="en-US" smtClean="0"/>
-              <a:t>8/29/2021</a:t>
+              <a:t>8/31/2021</a:t>
             </a:fld>
             <a:endParaRPr lang="en-US"/>
           </a:p>
@@ -860,7 +865,7 @@
           <a:p>
             <a:fld id="{76969C88-B244-455D-A017-012B25B1ACDD}" type="datetimeFigureOut">
               <a:rPr lang="en-US" smtClean="0"/>
-              <a:t>8/29/2021</a:t>
+              <a:t>8/31/2021</a:t>
             </a:fld>
             <a:endParaRPr lang="en-US"/>
           </a:p>
@@ -1135,7 +1140,7 @@
           <a:p>
             <a:fld id="{76969C88-B244-455D-A017-012B25B1ACDD}" type="datetimeFigureOut">
               <a:rPr lang="en-US" smtClean="0"/>
-              <a:t>8/29/2021</a:t>
+              <a:t>8/31/2021</a:t>
             </a:fld>
             <a:endParaRPr lang="en-US"/>
           </a:p>
@@ -1400,7 +1405,7 @@
           <a:p>
             <a:fld id="{76969C88-B244-455D-A017-012B25B1ACDD}" type="datetimeFigureOut">
               <a:rPr lang="en-US" smtClean="0"/>
-              <a:t>8/29/2021</a:t>
+              <a:t>8/31/2021</a:t>
             </a:fld>
             <a:endParaRPr lang="en-US"/>
           </a:p>
@@ -1812,7 +1817,7 @@
           <a:p>
             <a:fld id="{76969C88-B244-455D-A017-012B25B1ACDD}" type="datetimeFigureOut">
               <a:rPr lang="en-US" smtClean="0"/>
-              <a:t>8/29/2021</a:t>
+              <a:t>8/31/2021</a:t>
             </a:fld>
             <a:endParaRPr lang="en-US"/>
           </a:p>
@@ -1953,7 +1958,7 @@
           <a:p>
             <a:fld id="{76969C88-B244-455D-A017-012B25B1ACDD}" type="datetimeFigureOut">
               <a:rPr lang="en-US" smtClean="0"/>
-              <a:t>8/29/2021</a:t>
+              <a:t>8/31/2021</a:t>
             </a:fld>
             <a:endParaRPr lang="en-US"/>
           </a:p>
@@ -2066,7 +2071,7 @@
           <a:p>
             <a:fld id="{76969C88-B244-455D-A017-012B25B1ACDD}" type="datetimeFigureOut">
               <a:rPr lang="en-US" smtClean="0"/>
-              <a:t>8/29/2021</a:t>
+              <a:t>8/31/2021</a:t>
             </a:fld>
             <a:endParaRPr lang="en-US"/>
           </a:p>
@@ -2378,7 +2383,7 @@
           <a:p>
             <a:fld id="{76969C88-B244-455D-A017-012B25B1ACDD}" type="datetimeFigureOut">
               <a:rPr lang="en-US" smtClean="0"/>
-              <a:t>8/29/2021</a:t>
+              <a:t>8/31/2021</a:t>
             </a:fld>
             <a:endParaRPr lang="en-US"/>
           </a:p>
@@ -2669,7 +2674,7 @@
           <a:p>
             <a:fld id="{76969C88-B244-455D-A017-012B25B1ACDD}" type="datetimeFigureOut">
               <a:rPr lang="en-US" smtClean="0"/>
-              <a:t>8/29/2021</a:t>
+              <a:t>8/31/2021</a:t>
             </a:fld>
             <a:endParaRPr lang="en-US"/>
           </a:p>
@@ -3425,7 +3430,7 @@
             <a:fld id="{76969C88-B244-455D-A017-012B25B1ACDD}" type="datetimeFigureOut">
               <a:rPr lang="en-US" smtClean="0"/>
               <a:pPr/>
-              <a:t>8/29/2021</a:t>
+              <a:t>8/31/2021</a:t>
             </a:fld>
             <a:endParaRPr lang="en-US"/>
           </a:p>
@@ -4466,51 +4471,61 @@
       </p:grpSpPr>
       <p:sp>
         <p:nvSpPr>
-          <p:cNvPr id="2" name="Title 1">
-            <a:extLst>
-              <a:ext uri="{FF2B5EF4-FFF2-40B4-BE49-F238E27FC236}">
-                <a16:creationId xmlns:a16="http://schemas.microsoft.com/office/drawing/2014/main" id="{9CB4FE68-7638-4659-AF92-EACAE15341D0}"/>
-              </a:ext>
-            </a:extLst>
-          </p:cNvPr>
-          <p:cNvSpPr>
-            <a:spLocks noGrp="1"/>
-          </p:cNvSpPr>
-          <p:nvPr>
-            <p:ph type="title"/>
-          </p:nvPr>
-        </p:nvSpPr>
-        <p:spPr/>
-        <p:txBody>
-          <a:bodyPr/>
-          <a:lstStyle/>
-          <a:p>
+          <p:cNvPr id="3" name="Content Placeholder 2">
+            <a:extLst>
+              <a:ext uri="{FF2B5EF4-FFF2-40B4-BE49-F238E27FC236}">
+                <a16:creationId xmlns:a16="http://schemas.microsoft.com/office/drawing/2014/main" id="{BBC8AA9E-A32C-418D-8CDC-FD8FDBAB2492}"/>
+              </a:ext>
+            </a:extLst>
+          </p:cNvPr>
+          <p:cNvSpPr>
+            <a:spLocks noGrp="1"/>
+          </p:cNvSpPr>
+          <p:nvPr>
+            <p:ph idx="1"/>
+          </p:nvPr>
+        </p:nvSpPr>
+        <p:spPr>
+          <a:xfrm>
+            <a:off x="864742" y="261991"/>
+            <a:ext cx="10668000" cy="6596009"/>
+          </a:xfrm>
+        </p:spPr>
+        <p:txBody>
+          <a:bodyPr/>
+          <a:lstStyle/>
+          <a:p>
+            <a:r>
+              <a:rPr lang="en-US" dirty="0">
+                <a:hlinkClick r:id="rId2"/>
+              </a:rPr>
+              <a:t>Worker Services in .NET | Microsoft Docs</a:t>
+            </a:r>
+            <a:endParaRPr lang="en-US" dirty="0"/>
+          </a:p>
+          <a:p>
+            <a:r>
+              <a:rPr lang="en-US" dirty="0">
+                <a:hlinkClick r:id="rId3"/>
+              </a:rPr>
+              <a:t>Create a Windows Service using </a:t>
+            </a:r>
+            <a:r>
+              <a:rPr lang="en-US" dirty="0" err="1">
+                <a:hlinkClick r:id="rId3"/>
+              </a:rPr>
+              <a:t>BackgroundService</a:t>
+            </a:r>
+            <a:r>
+              <a:rPr lang="en-US">
+                <a:hlinkClick r:id="rId3"/>
+              </a:rPr>
+              <a:t> | Microsoft Docs</a:t>
+            </a:r>
             <a:endParaRPr lang="en-US"/>
           </a:p>
-        </p:txBody>
-      </p:sp>
-      <p:sp>
-        <p:nvSpPr>
-          <p:cNvPr id="3" name="Content Placeholder 2">
-            <a:extLst>
-              <a:ext uri="{FF2B5EF4-FFF2-40B4-BE49-F238E27FC236}">
-                <a16:creationId xmlns:a16="http://schemas.microsoft.com/office/drawing/2014/main" id="{BBC8AA9E-A32C-418D-8CDC-FD8FDBAB2492}"/>
-              </a:ext>
-            </a:extLst>
-          </p:cNvPr>
-          <p:cNvSpPr>
-            <a:spLocks noGrp="1"/>
-          </p:cNvSpPr>
-          <p:nvPr>
-            <p:ph idx="1"/>
-          </p:nvPr>
-        </p:nvSpPr>
-        <p:spPr/>
-        <p:txBody>
-          <a:bodyPr/>
-          <a:lstStyle/>
-          <a:p>
-            <a:endParaRPr lang="en-US"/>
+          <a:p>
+            <a:endParaRPr lang="en-US" dirty="0"/>
           </a:p>
         </p:txBody>
       </p:sp>
